--- a/translations/en-us/Project/ProjectTimeline.pptx
+++ b/translations/en-us/Project/ProjectTimeline.pptx
@@ -204,7 +204,7 @@
           <a:p>
             <a:fld id="{A78B980B-A051-5042-A199-B77431CF73D3}" type="datetimeFigureOut">
               <a:rPr lang="en-US" smtClean="0"/>
-              <a:t>7/23/18</a:t>
+              <a:t>9/2/18</a:t>
             </a:fld>
             <a:endParaRPr lang="en-US"/>
           </a:p>
@@ -808,7 +808,7 @@
           <a:p>
             <a:fld id="{6EFCCA79-0916-4F27-ACE0-763E43D11590}" type="datetime1">
               <a:rPr lang="en-US" smtClean="0"/>
-              <a:t>7/23/18</a:t>
+              <a:t>9/2/18</a:t>
             </a:fld>
             <a:endParaRPr lang="en-US" dirty="0"/>
           </a:p>
@@ -933,57 +933,6 @@
           </a:prstGeom>
         </p:spPr>
       </p:pic>
-      <p:sp>
-        <p:nvSpPr>
-          <p:cNvPr id="9" name="Rectangle 8">
-            <a:extLst>
-              <a:ext uri="{FF2B5EF4-FFF2-40B4-BE49-F238E27FC236}">
-                <a16:creationId xmlns:a16="http://schemas.microsoft.com/office/drawing/2014/main" id="{57719E59-8CAB-480D-9F63-3D55F21F3BA3}"/>
-              </a:ext>
-            </a:extLst>
-          </p:cNvPr>
-          <p:cNvSpPr/>
-          <p:nvPr userDrawn="1"/>
-        </p:nvSpPr>
-        <p:spPr>
-          <a:xfrm>
-            <a:off x="-2358" y="6272819"/>
-            <a:ext cx="9141619" cy="64008"/>
-          </a:xfrm>
-          <a:prstGeom prst="rect">
-            <a:avLst/>
-          </a:prstGeom>
-          <a:solidFill>
-            <a:srgbClr val="24CF39"/>
-          </a:solidFill>
-          <a:ln>
-            <a:noFill/>
-          </a:ln>
-        </p:spPr>
-        <p:style>
-          <a:lnRef idx="2">
-            <a:schemeClr val="accent1">
-              <a:shade val="50000"/>
-            </a:schemeClr>
-          </a:lnRef>
-          <a:fillRef idx="1">
-            <a:schemeClr val="accent1"/>
-          </a:fillRef>
-          <a:effectRef idx="0">
-            <a:schemeClr val="accent1"/>
-          </a:effectRef>
-          <a:fontRef idx="minor">
-            <a:schemeClr val="lt1"/>
-          </a:fontRef>
-        </p:style>
-        <p:txBody>
-          <a:bodyPr/>
-          <a:lstStyle/>
-          <a:p>
-            <a:endParaRPr lang="en-US" dirty="0"/>
-          </a:p>
-        </p:txBody>
-      </p:sp>
     </p:spTree>
     <p:extLst>
       <p:ext uri="{BB962C8B-B14F-4D97-AF65-F5344CB8AC3E}">
@@ -1169,7 +1118,7 @@
           <a:p>
             <a:fld id="{34A8CC16-C087-40E6-B06F-6F088090B824}" type="datetime1">
               <a:rPr lang="en-US" smtClean="0"/>
-              <a:t>7/23/18</a:t>
+              <a:t>9/2/18</a:t>
             </a:fld>
             <a:endParaRPr lang="en-US" dirty="0"/>
           </a:p>
@@ -1427,7 +1376,7 @@
           <a:p>
             <a:fld id="{6A96E942-F734-4C95-A03C-DE51FBB743F7}" type="datetime1">
               <a:rPr lang="en-US" smtClean="0"/>
-              <a:t>7/23/18</a:t>
+              <a:t>9/2/18</a:t>
             </a:fld>
             <a:endParaRPr lang="en-US" dirty="0"/>
           </a:p>
@@ -1715,7 +1664,7 @@
           <a:p>
             <a:fld id="{5BFD734E-4FC5-4546-B6ED-28BA361FE1B9}" type="datetime1">
               <a:rPr lang="en-US" smtClean="0"/>
-              <a:t>7/23/18</a:t>
+              <a:t>9/2/18</a:t>
             </a:fld>
             <a:endParaRPr lang="en-US" dirty="0"/>
           </a:p>
@@ -2168,7 +2117,7 @@
             <a:fld id="{B61BEF0D-F0BB-DE4B-95CE-6DB70DBA9567}" type="datetimeFigureOut">
               <a:rPr lang="en-US" smtClean="0"/>
               <a:pPr/>
-              <a:t>7/23/18</a:t>
+              <a:t>9/2/18</a:t>
             </a:fld>
             <a:endParaRPr lang="en-US" dirty="0"/>
           </a:p>
@@ -2725,7 +2674,7 @@
           <a:p>
             <a:fld id="{7DA536E6-8A0E-4260-8B9A-2F718BA81C65}" type="datetime1">
               <a:rPr lang="en-US" smtClean="0"/>
-              <a:t>7/23/18</a:t>
+              <a:t>9/2/18</a:t>
             </a:fld>
             <a:endParaRPr lang="en-US" dirty="0"/>
           </a:p>
@@ -3174,7 +3123,7 @@
           <a:p>
             <a:fld id="{41E01CB2-3F9B-41F8-88BE-839C039A6C00}" type="datetime1">
               <a:rPr lang="en-US" smtClean="0"/>
-              <a:t>7/23/18</a:t>
+              <a:t>9/2/18</a:t>
             </a:fld>
             <a:endParaRPr lang="en-US" dirty="0"/>
           </a:p>
@@ -3359,7 +3308,7 @@
           <a:p>
             <a:fld id="{46D38D4C-D8E3-4F34-832B-D91CCBBB2FEC}" type="datetime1">
               <a:rPr lang="en-US" smtClean="0"/>
-              <a:t>7/23/18</a:t>
+              <a:t>9/2/18</a:t>
             </a:fld>
             <a:endParaRPr lang="en-US" dirty="0"/>
           </a:p>
@@ -3482,7 +3431,7 @@
           <a:p>
             <a:fld id="{831FDEE4-879A-4BC7-81D8-BCF812B2A84A}" type="datetime1">
               <a:rPr lang="en-US" smtClean="0"/>
-              <a:t>7/23/18</a:t>
+              <a:t>9/2/18</a:t>
             </a:fld>
             <a:endParaRPr lang="en-US" dirty="0"/>
           </a:p>
@@ -3888,7 +3837,7 @@
           <a:p>
             <a:fld id="{A43E408A-DB97-4712-9120-F1B815E5646B}" type="datetime1">
               <a:rPr lang="en-US" smtClean="0"/>
-              <a:t>7/23/18</a:t>
+              <a:t>9/2/18</a:t>
             </a:fld>
             <a:endParaRPr lang="en-US" dirty="0"/>
           </a:p>
@@ -4205,7 +4154,7 @@
           <a:p>
             <a:fld id="{5E10CDB1-02EC-44C6-BBF2-11B788298042}" type="datetime1">
               <a:rPr lang="en-US" smtClean="0"/>
-              <a:t>7/23/18</a:t>
+              <a:t>9/2/18</a:t>
             </a:fld>
             <a:endParaRPr lang="en-US" dirty="0"/>
           </a:p>
@@ -4556,7 +4505,7 @@
           <a:p>
             <a:fld id="{BB79DEB0-E7A5-4C03-A71F-8D2940901CD9}" type="datetime1">
               <a:rPr lang="en-US" smtClean="0"/>
-              <a:t>7/23/18</a:t>
+              <a:t>9/2/18</a:t>
             </a:fld>
             <a:endParaRPr lang="en-US" dirty="0"/>
           </a:p>
@@ -4655,57 +4604,6 @@
               <a:pPr/>
               <a:t>‹#›</a:t>
             </a:fld>
-            <a:endParaRPr lang="en-US" dirty="0"/>
-          </a:p>
-        </p:txBody>
-      </p:sp>
-      <p:sp>
-        <p:nvSpPr>
-          <p:cNvPr id="15" name="Rectangle 14">
-            <a:extLst>
-              <a:ext uri="{FF2B5EF4-FFF2-40B4-BE49-F238E27FC236}">
-                <a16:creationId xmlns:a16="http://schemas.microsoft.com/office/drawing/2014/main" id="{B6AD25E1-29ED-4312-AA12-F5BF46B91616}"/>
-              </a:ext>
-            </a:extLst>
-          </p:cNvPr>
-          <p:cNvSpPr/>
-          <p:nvPr userDrawn="1"/>
-        </p:nvSpPr>
-        <p:spPr>
-          <a:xfrm>
-            <a:off x="-1" y="6273337"/>
-            <a:ext cx="9144001" cy="65999"/>
-          </a:xfrm>
-          <a:prstGeom prst="rect">
-            <a:avLst/>
-          </a:prstGeom>
-          <a:solidFill>
-            <a:srgbClr val="24CF39"/>
-          </a:solidFill>
-          <a:ln>
-            <a:noFill/>
-          </a:ln>
-        </p:spPr>
-        <p:style>
-          <a:lnRef idx="2">
-            <a:schemeClr val="accent1">
-              <a:shade val="50000"/>
-            </a:schemeClr>
-          </a:lnRef>
-          <a:fillRef idx="1">
-            <a:schemeClr val="accent1"/>
-          </a:fillRef>
-          <a:effectRef idx="0">
-            <a:schemeClr val="accent1"/>
-          </a:effectRef>
-          <a:fontRef idx="minor">
-            <a:schemeClr val="lt1"/>
-          </a:fontRef>
-        </p:style>
-        <p:txBody>
-          <a:bodyPr/>
-          <a:lstStyle/>
-          <a:p>
             <a:endParaRPr lang="en-US" dirty="0"/>
           </a:p>
         </p:txBody>

--- a/translations/en-us/Project/ProjectTimeline.pptx
+++ b/translations/en-us/Project/ProjectTimeline.pptx
@@ -5145,7 +5145,15 @@
           <a:p>
             <a:r>
               <a:rPr lang="en-US" sz="2400" dirty="0"/>
-              <a:t>Our research project for Trash Trek was a Global Innovation Award semi-finalist project (Top 20 out of 30,0000 teams).</a:t>
+              <a:t>Our research project for Trash Trek was a Global Innovation Award semi-finalist project (Top 20 out </a:t>
+            </a:r>
+            <a:r>
+              <a:rPr lang="en-US" sz="2400"/>
+              <a:t>of 30,000 </a:t>
+            </a:r>
+            <a:r>
+              <a:rPr lang="en-US" sz="2400" dirty="0"/>
+              <a:t>teams).</a:t>
             </a:r>
           </a:p>
           <a:p>

--- a/translations/en-us/Project/ProjectTimeline.pptx
+++ b/translations/en-us/Project/ProjectTimeline.pptx
@@ -204,7 +204,7 @@
           <a:p>
             <a:fld id="{A78B980B-A051-5042-A199-B77431CF73D3}" type="datetimeFigureOut">
               <a:rPr lang="en-US" smtClean="0"/>
-              <a:t>9/2/18</a:t>
+              <a:t>5/29/23</a:t>
             </a:fld>
             <a:endParaRPr lang="en-US"/>
           </a:p>
@@ -806,9 +806,9 @@
             </a:lvl1pPr>
           </a:lstStyle>
           <a:p>
-            <a:fld id="{6EFCCA79-0916-4F27-ACE0-763E43D11590}" type="datetime1">
+            <a:fld id="{387D1E9D-23AE-1D44-896A-ACFFD6D38EAB}" type="datetime1">
               <a:rPr lang="en-US" smtClean="0"/>
-              <a:t>9/2/18</a:t>
+              <a:t>5/29/23</a:t>
             </a:fld>
             <a:endParaRPr lang="en-US" dirty="0"/>
           </a:p>
@@ -850,7 +850,7 @@
           <a:p>
             <a:r>
               <a:rPr lang="en-US"/>
-              <a:t>© 2018, FLL Tutorials (Last Edit 6/11/2018)</a:t>
+              <a:t>© 2023, FLLTutorials.com (Last Edit 5/29/2023)</a:t>
             </a:r>
             <a:endParaRPr lang="en-US" dirty="0"/>
           </a:p>
@@ -1116,9 +1116,9 @@
           <a:bodyPr/>
           <a:lstStyle/>
           <a:p>
-            <a:fld id="{34A8CC16-C087-40E6-B06F-6F088090B824}" type="datetime1">
+            <a:fld id="{6DF13A05-E9E9-5A41-A74B-A4498C4A98A2}" type="datetime1">
               <a:rPr lang="en-US" smtClean="0"/>
-              <a:t>9/2/18</a:t>
+              <a:t>5/29/23</a:t>
             </a:fld>
             <a:endParaRPr lang="en-US" dirty="0"/>
           </a:p>
@@ -1149,7 +1149,7 @@
           <a:p>
             <a:r>
               <a:rPr lang="en-US"/>
-              <a:t>© 2018, FLL Tutorials (Last Edit 6/11/2018)</a:t>
+              <a:t>© 2023, FLLTutorials.com (Last Edit 5/29/2023)</a:t>
             </a:r>
             <a:endParaRPr lang="en-US" dirty="0"/>
           </a:p>
@@ -1374,9 +1374,9 @@
             </a:lvl1pPr>
           </a:lstStyle>
           <a:p>
-            <a:fld id="{6A96E942-F734-4C95-A03C-DE51FBB743F7}" type="datetime1">
+            <a:fld id="{8A5A2435-603E-AA40-BE50-6FE9EA964F31}" type="datetime1">
               <a:rPr lang="en-US" smtClean="0"/>
-              <a:t>9/2/18</a:t>
+              <a:t>5/29/23</a:t>
             </a:fld>
             <a:endParaRPr lang="en-US" dirty="0"/>
           </a:p>
@@ -1407,7 +1407,7 @@
           <a:p>
             <a:r>
               <a:rPr lang="en-US"/>
-              <a:t>© 2018, FLL Tutorials (Last Edit 6/11/2018)</a:t>
+              <a:t>© 2023, FLLTutorials.com (Last Edit 5/29/2023)</a:t>
             </a:r>
             <a:endParaRPr lang="en-US" dirty="0"/>
           </a:p>
@@ -1662,9 +1662,9 @@
             </a:lvl1pPr>
           </a:lstStyle>
           <a:p>
-            <a:fld id="{5BFD734E-4FC5-4546-B6ED-28BA361FE1B9}" type="datetime1">
+            <a:fld id="{B2335BB7-D5B6-A544-A1C2-9009A712AAF4}" type="datetime1">
               <a:rPr lang="en-US" smtClean="0"/>
-              <a:t>9/2/18</a:t>
+              <a:t>5/29/23</a:t>
             </a:fld>
             <a:endParaRPr lang="en-US" dirty="0"/>
           </a:p>
@@ -1709,7 +1709,7 @@
           <a:p>
             <a:r>
               <a:rPr lang="en-US"/>
-              <a:t>© 2018, FLL Tutorials (Last Edit 6/11/2018)</a:t>
+              <a:t>© 2023, FLLTutorials.com (Last Edit 5/29/2023)</a:t>
             </a:r>
             <a:endParaRPr lang="en-US" dirty="0"/>
           </a:p>
@@ -2117,7 +2117,7 @@
             <a:fld id="{B61BEF0D-F0BB-DE4B-95CE-6DB70DBA9567}" type="datetimeFigureOut">
               <a:rPr lang="en-US" smtClean="0"/>
               <a:pPr/>
-              <a:t>9/2/18</a:t>
+              <a:t>5/29/23</a:t>
             </a:fld>
             <a:endParaRPr lang="en-US" dirty="0"/>
           </a:p>
@@ -2672,9 +2672,9 @@
           <a:bodyPr/>
           <a:lstStyle/>
           <a:p>
-            <a:fld id="{7DA536E6-8A0E-4260-8B9A-2F718BA81C65}" type="datetime1">
+            <a:fld id="{0A8F4732-41D2-124F-9F5E-BC8D5E0E8F9B}" type="datetime1">
               <a:rPr lang="en-US" smtClean="0"/>
-              <a:t>9/2/18</a:t>
+              <a:t>5/29/23</a:t>
             </a:fld>
             <a:endParaRPr lang="en-US" dirty="0"/>
           </a:p>
@@ -2705,7 +2705,7 @@
           <a:p>
             <a:r>
               <a:rPr lang="en-US"/>
-              <a:t>© 2018, FLL Tutorials (Last Edit 6/11/2018)</a:t>
+              <a:t>© 2023, FLLTutorials.com (Last Edit 5/29/2023)</a:t>
             </a:r>
             <a:endParaRPr lang="en-US" dirty="0"/>
           </a:p>
@@ -3121,9 +3121,9 @@
           <a:bodyPr/>
           <a:lstStyle/>
           <a:p>
-            <a:fld id="{41E01CB2-3F9B-41F8-88BE-839C039A6C00}" type="datetime1">
+            <a:fld id="{E380D912-BBC1-D940-ACF8-7AD9471C0C0E}" type="datetime1">
               <a:rPr lang="en-US" smtClean="0"/>
-              <a:t>9/2/18</a:t>
+              <a:t>5/29/23</a:t>
             </a:fld>
             <a:endParaRPr lang="en-US" dirty="0"/>
           </a:p>
@@ -3154,7 +3154,7 @@
           <a:p>
             <a:r>
               <a:rPr lang="en-US"/>
-              <a:t>© 2018, FLL Tutorials (Last Edit 6/11/2018)</a:t>
+              <a:t>© 2023, FLLTutorials.com (Last Edit 5/29/2023)</a:t>
             </a:r>
             <a:endParaRPr lang="en-US" dirty="0"/>
           </a:p>
@@ -3306,9 +3306,9 @@
           <a:bodyPr/>
           <a:lstStyle/>
           <a:p>
-            <a:fld id="{46D38D4C-D8E3-4F34-832B-D91CCBBB2FEC}" type="datetime1">
+            <a:fld id="{103BA712-2F5C-174C-8FBF-748D4D909030}" type="datetime1">
               <a:rPr lang="en-US" smtClean="0"/>
-              <a:t>9/2/18</a:t>
+              <a:t>5/29/23</a:t>
             </a:fld>
             <a:endParaRPr lang="en-US" dirty="0"/>
           </a:p>
@@ -3339,7 +3339,7 @@
           <a:p>
             <a:r>
               <a:rPr lang="en-US"/>
-              <a:t>© 2018, FLL Tutorials (Last Edit 6/11/2018)</a:t>
+              <a:t>© 2023, FLLTutorials.com (Last Edit 5/29/2023)</a:t>
             </a:r>
             <a:endParaRPr lang="en-US" dirty="0"/>
           </a:p>
@@ -3429,9 +3429,9 @@
           <a:bodyPr/>
           <a:lstStyle/>
           <a:p>
-            <a:fld id="{831FDEE4-879A-4BC7-81D8-BCF812B2A84A}" type="datetime1">
+            <a:fld id="{7B61DA6C-6E8A-2A47-B244-8160B5EAAC82}" type="datetime1">
               <a:rPr lang="en-US" smtClean="0"/>
-              <a:t>9/2/18</a:t>
+              <a:t>5/29/23</a:t>
             </a:fld>
             <a:endParaRPr lang="en-US" dirty="0"/>
           </a:p>
@@ -3462,7 +3462,7 @@
           <a:p>
             <a:r>
               <a:rPr lang="en-US"/>
-              <a:t>© 2018, FLL Tutorials (Last Edit 6/11/2018)</a:t>
+              <a:t>© 2023, FLLTutorials.com (Last Edit 5/29/2023)</a:t>
             </a:r>
             <a:endParaRPr lang="en-US" dirty="0"/>
           </a:p>
@@ -3835,9 +3835,9 @@
             </a:lvl1pPr>
           </a:lstStyle>
           <a:p>
-            <a:fld id="{A43E408A-DB97-4712-9120-F1B815E5646B}" type="datetime1">
+            <a:fld id="{EB975DD1-ADED-2E4B-9906-86AF17E961B8}" type="datetime1">
               <a:rPr lang="en-US" smtClean="0"/>
-              <a:t>9/2/18</a:t>
+              <a:t>5/29/23</a:t>
             </a:fld>
             <a:endParaRPr lang="en-US" dirty="0"/>
           </a:p>
@@ -3879,7 +3879,7 @@
           <a:p>
             <a:r>
               <a:rPr lang="en-US"/>
-              <a:t>© 2018, FLL Tutorials (Last Edit 6/11/2018)</a:t>
+              <a:t>© 2023, FLLTutorials.com (Last Edit 5/29/2023)</a:t>
             </a:r>
             <a:endParaRPr lang="en-US" dirty="0"/>
           </a:p>
@@ -4152,9 +4152,9 @@
           <a:bodyPr/>
           <a:lstStyle/>
           <a:p>
-            <a:fld id="{5E10CDB1-02EC-44C6-BBF2-11B788298042}" type="datetime1">
+            <a:fld id="{27C70B6B-C630-3F46-BF27-6571CEFD3968}" type="datetime1">
               <a:rPr lang="en-US" smtClean="0"/>
-              <a:t>9/2/18</a:t>
+              <a:t>5/29/23</a:t>
             </a:fld>
             <a:endParaRPr lang="en-US" dirty="0"/>
           </a:p>
@@ -4185,7 +4185,7 @@
           <a:p>
             <a:r>
               <a:rPr lang="en-US"/>
-              <a:t>© 2018, FLL Tutorials (Last Edit 6/11/2018)</a:t>
+              <a:t>© 2023, FLLTutorials.com (Last Edit 5/29/2023)</a:t>
             </a:r>
             <a:endParaRPr lang="en-US" dirty="0"/>
           </a:p>
@@ -4503,9 +4503,9 @@
             </a:lvl1pPr>
           </a:lstStyle>
           <a:p>
-            <a:fld id="{BB79DEB0-E7A5-4C03-A71F-8D2940901CD9}" type="datetime1">
+            <a:fld id="{2D833F26-985E-0341-BB16-C21E362F6D77}" type="datetime1">
               <a:rPr lang="en-US" smtClean="0"/>
-              <a:t>9/2/18</a:t>
+              <a:t>5/29/23</a:t>
             </a:fld>
             <a:endParaRPr lang="en-US" dirty="0"/>
           </a:p>
@@ -4553,7 +4553,7 @@
           <a:p>
             <a:r>
               <a:rPr lang="en-US"/>
-              <a:t>© 2018, FLL Tutorials (Last Edit 6/11/2018)</a:t>
+              <a:t>© 2023, FLLTutorials.com (Last Edit 5/29/2023)</a:t>
             </a:r>
             <a:endParaRPr lang="en-US" dirty="0"/>
           </a:p>
@@ -5193,7 +5193,7 @@
           <a:p>
             <a:r>
               <a:rPr lang="en-US"/>
-              <a:t>© 2018, FLL Tutorials (Last Edit 6/11/2018)</a:t>
+              <a:t>© 2023, FLLTutorials.com (Last Edit 5/29/2023)</a:t>
             </a:r>
             <a:endParaRPr lang="en-US" dirty="0"/>
           </a:p>
@@ -5350,7 +5350,7 @@
         <p:spPr/>
         <p:txBody>
           <a:bodyPr>
-            <a:normAutofit fontScale="55000" lnSpcReduction="20000"/>
+            <a:normAutofit fontScale="47500" lnSpcReduction="20000"/>
           </a:bodyPr>
           <a:lstStyle/>
           <a:p>
@@ -5417,6 +5417,13 @@
             <a:r>
               <a:rPr lang="en-US" dirty="0"/>
               <a:t>Share that solution</a:t>
+            </a:r>
+          </a:p>
+          <a:p>
+            <a:pPr lvl="1"/>
+            <a:r>
+              <a:rPr lang="en-US" dirty="0"/>
+              <a:t>Improve/Iterate the solution</a:t>
             </a:r>
           </a:p>
           <a:p>
@@ -5465,7 +5472,7 @@
           <a:p>
             <a:r>
               <a:rPr lang="en-US"/>
-              <a:t>© 2018, FLL Tutorials (Last Edit 6/11/2018)</a:t>
+              <a:t>© 2023, FLLTutorials.com (Last Edit 5/29/2023)</a:t>
             </a:r>
             <a:endParaRPr lang="en-US" dirty="0"/>
           </a:p>
@@ -5605,7 +5612,7 @@
           <a:p>
             <a:r>
               <a:rPr lang="en-US" dirty="0"/>
-              <a:t>For example, in Nature’s Fury, you had to pick from a list of natural disasters.</a:t>
+              <a:t>For example, in Nature’s Fury, you had to pick from a specific list of natural disasters.</a:t>
             </a:r>
           </a:p>
         </p:txBody>
@@ -5633,7 +5640,7 @@
           <a:p>
             <a:r>
               <a:rPr lang="en-US"/>
-              <a:t>© 2018, FLL Tutorials (Last Edit 6/11/2018)</a:t>
+              <a:t>© 2023, FLLTutorials.com (Last Edit 5/29/2023)</a:t>
             </a:r>
             <a:endParaRPr lang="en-US" dirty="0"/>
           </a:p>
@@ -5851,7 +5858,7 @@
           <a:p>
             <a:r>
               <a:rPr lang="en-US"/>
-              <a:t>© 2018, FLL Tutorials (Last Edit 6/11/2018)</a:t>
+              <a:t>© 2023, FLLTutorials.com (Last Edit 5/29/2023)</a:t>
             </a:r>
             <a:endParaRPr lang="en-US" dirty="0"/>
           </a:p>
@@ -6003,7 +6010,7 @@
             <a:pPr lvl="1"/>
             <a:r>
               <a:rPr lang="en-US" sz="1100" dirty="0"/>
-              <a:t>Get feedback and incorporate it into your final solution</a:t>
+              <a:t>Get feedback and incorporate the feedback into your final solution</a:t>
             </a:r>
           </a:p>
           <a:p>
@@ -6085,7 +6092,7 @@
           <a:p>
             <a:r>
               <a:rPr lang="en-US"/>
-              <a:t>© 2018, FLL Tutorials (Last Edit 6/11/2018)</a:t>
+              <a:t>© 2023, FLLTutorials.com (Last Edit 5/29/2023)</a:t>
             </a:r>
             <a:endParaRPr lang="en-US" dirty="0"/>
           </a:p>
@@ -6302,7 +6309,7 @@
           <a:p>
             <a:r>
               <a:rPr lang="en-US"/>
-              <a:t>© 2018, FLL Tutorials (Last Edit 6/11/2018)</a:t>
+              <a:t>© 2023, FLLTutorials.com (Last Edit 5/29/2023)</a:t>
             </a:r>
             <a:endParaRPr lang="en-US" dirty="0"/>
           </a:p>
@@ -6459,7 +6466,7 @@
           <a:p>
             <a:r>
               <a:rPr lang="en-US"/>
-              <a:t>© 2018, FLL Tutorials (Last Edit 6/11/2018)</a:t>
+              <a:t>© 2023, FLLTutorials.com (Last Edit 5/29/2023)</a:t>
             </a:r>
             <a:endParaRPr lang="en-US" dirty="0"/>
           </a:p>

--- a/translations/en-us/Project/ProjectTimeline.pptx
+++ b/translations/en-us/Project/ProjectTimeline.pptx
@@ -204,7 +204,7 @@
           <a:p>
             <a:fld id="{A78B980B-A051-5042-A199-B77431CF73D3}" type="datetimeFigureOut">
               <a:rPr lang="en-US" smtClean="0"/>
-              <a:t>5/29/23</a:t>
+              <a:t>8/5/24</a:t>
             </a:fld>
             <a:endParaRPr lang="en-US"/>
           </a:p>
@@ -806,9 +806,9 @@
             </a:lvl1pPr>
           </a:lstStyle>
           <a:p>
-            <a:fld id="{387D1E9D-23AE-1D44-896A-ACFFD6D38EAB}" type="datetime1">
+            <a:fld id="{EB4F399A-5AC7-6C4E-992C-D25CF1ECFCB3}" type="datetime1">
               <a:rPr lang="en-US" smtClean="0"/>
-              <a:t>5/29/23</a:t>
+              <a:t>8/5/24</a:t>
             </a:fld>
             <a:endParaRPr lang="en-US" dirty="0"/>
           </a:p>
@@ -850,7 +850,7 @@
           <a:p>
             <a:r>
               <a:rPr lang="en-US"/>
-              <a:t>© 2023, FLLTutorials.com (Last Edit 5/29/2023)</a:t>
+              <a:t>© 2023, FLLTutorials.com (Last Edit 8/06/2024)</a:t>
             </a:r>
             <a:endParaRPr lang="en-US" dirty="0"/>
           </a:p>
@@ -1116,9 +1116,9 @@
           <a:bodyPr/>
           <a:lstStyle/>
           <a:p>
-            <a:fld id="{6DF13A05-E9E9-5A41-A74B-A4498C4A98A2}" type="datetime1">
+            <a:fld id="{44BD6C88-CB00-4749-958E-C73DA0EAD7A9}" type="datetime1">
               <a:rPr lang="en-US" smtClean="0"/>
-              <a:t>5/29/23</a:t>
+              <a:t>8/5/24</a:t>
             </a:fld>
             <a:endParaRPr lang="en-US" dirty="0"/>
           </a:p>
@@ -1149,7 +1149,7 @@
           <a:p>
             <a:r>
               <a:rPr lang="en-US"/>
-              <a:t>© 2023, FLLTutorials.com (Last Edit 5/29/2023)</a:t>
+              <a:t>© 2023, FLLTutorials.com (Last Edit 8/06/2024)</a:t>
             </a:r>
             <a:endParaRPr lang="en-US" dirty="0"/>
           </a:p>
@@ -1374,9 +1374,9 @@
             </a:lvl1pPr>
           </a:lstStyle>
           <a:p>
-            <a:fld id="{8A5A2435-603E-AA40-BE50-6FE9EA964F31}" type="datetime1">
+            <a:fld id="{9135E66C-191B-FE48-B8E2-9B9AB75464C3}" type="datetime1">
               <a:rPr lang="en-US" smtClean="0"/>
-              <a:t>5/29/23</a:t>
+              <a:t>8/5/24</a:t>
             </a:fld>
             <a:endParaRPr lang="en-US" dirty="0"/>
           </a:p>
@@ -1407,7 +1407,7 @@
           <a:p>
             <a:r>
               <a:rPr lang="en-US"/>
-              <a:t>© 2023, FLLTutorials.com (Last Edit 5/29/2023)</a:t>
+              <a:t>© 2023, FLLTutorials.com (Last Edit 8/06/2024)</a:t>
             </a:r>
             <a:endParaRPr lang="en-US" dirty="0"/>
           </a:p>
@@ -1662,9 +1662,9 @@
             </a:lvl1pPr>
           </a:lstStyle>
           <a:p>
-            <a:fld id="{B2335BB7-D5B6-A544-A1C2-9009A712AAF4}" type="datetime1">
+            <a:fld id="{D4DA821C-C46A-644B-965A-9B875AA7721D}" type="datetime1">
               <a:rPr lang="en-US" smtClean="0"/>
-              <a:t>5/29/23</a:t>
+              <a:t>8/5/24</a:t>
             </a:fld>
             <a:endParaRPr lang="en-US" dirty="0"/>
           </a:p>
@@ -1709,7 +1709,7 @@
           <a:p>
             <a:r>
               <a:rPr lang="en-US"/>
-              <a:t>© 2023, FLLTutorials.com (Last Edit 5/29/2023)</a:t>
+              <a:t>© 2023, FLLTutorials.com (Last Edit 8/06/2024)</a:t>
             </a:r>
             <a:endParaRPr lang="en-US" dirty="0"/>
           </a:p>
@@ -2117,7 +2117,7 @@
             <a:fld id="{B61BEF0D-F0BB-DE4B-95CE-6DB70DBA9567}" type="datetimeFigureOut">
               <a:rPr lang="en-US" smtClean="0"/>
               <a:pPr/>
-              <a:t>5/29/23</a:t>
+              <a:t>8/5/24</a:t>
             </a:fld>
             <a:endParaRPr lang="en-US" dirty="0"/>
           </a:p>
@@ -2672,9 +2672,9 @@
           <a:bodyPr/>
           <a:lstStyle/>
           <a:p>
-            <a:fld id="{0A8F4732-41D2-124F-9F5E-BC8D5E0E8F9B}" type="datetime1">
+            <a:fld id="{F04DDC36-B26C-3347-A8A1-7FCFD5352BE8}" type="datetime1">
               <a:rPr lang="en-US" smtClean="0"/>
-              <a:t>5/29/23</a:t>
+              <a:t>8/5/24</a:t>
             </a:fld>
             <a:endParaRPr lang="en-US" dirty="0"/>
           </a:p>
@@ -2705,7 +2705,7 @@
           <a:p>
             <a:r>
               <a:rPr lang="en-US"/>
-              <a:t>© 2023, FLLTutorials.com (Last Edit 5/29/2023)</a:t>
+              <a:t>© 2023, FLLTutorials.com (Last Edit 8/06/2024)</a:t>
             </a:r>
             <a:endParaRPr lang="en-US" dirty="0"/>
           </a:p>
@@ -3121,9 +3121,9 @@
           <a:bodyPr/>
           <a:lstStyle/>
           <a:p>
-            <a:fld id="{E380D912-BBC1-D940-ACF8-7AD9471C0C0E}" type="datetime1">
+            <a:fld id="{2AB29A4D-CA11-DD48-A0EE-04840923C3D9}" type="datetime1">
               <a:rPr lang="en-US" smtClean="0"/>
-              <a:t>5/29/23</a:t>
+              <a:t>8/5/24</a:t>
             </a:fld>
             <a:endParaRPr lang="en-US" dirty="0"/>
           </a:p>
@@ -3154,7 +3154,7 @@
           <a:p>
             <a:r>
               <a:rPr lang="en-US"/>
-              <a:t>© 2023, FLLTutorials.com (Last Edit 5/29/2023)</a:t>
+              <a:t>© 2023, FLLTutorials.com (Last Edit 8/06/2024)</a:t>
             </a:r>
             <a:endParaRPr lang="en-US" dirty="0"/>
           </a:p>
@@ -3306,9 +3306,9 @@
           <a:bodyPr/>
           <a:lstStyle/>
           <a:p>
-            <a:fld id="{103BA712-2F5C-174C-8FBF-748D4D909030}" type="datetime1">
+            <a:fld id="{DD305891-CBDC-6A4E-9B55-C6CA166E70ED}" type="datetime1">
               <a:rPr lang="en-US" smtClean="0"/>
-              <a:t>5/29/23</a:t>
+              <a:t>8/5/24</a:t>
             </a:fld>
             <a:endParaRPr lang="en-US" dirty="0"/>
           </a:p>
@@ -3339,7 +3339,7 @@
           <a:p>
             <a:r>
               <a:rPr lang="en-US"/>
-              <a:t>© 2023, FLLTutorials.com (Last Edit 5/29/2023)</a:t>
+              <a:t>© 2023, FLLTutorials.com (Last Edit 8/06/2024)</a:t>
             </a:r>
             <a:endParaRPr lang="en-US" dirty="0"/>
           </a:p>
@@ -3429,9 +3429,9 @@
           <a:bodyPr/>
           <a:lstStyle/>
           <a:p>
-            <a:fld id="{7B61DA6C-6E8A-2A47-B244-8160B5EAAC82}" type="datetime1">
+            <a:fld id="{D1077C9D-117A-E943-BB2B-1A4C85C2FCCC}" type="datetime1">
               <a:rPr lang="en-US" smtClean="0"/>
-              <a:t>5/29/23</a:t>
+              <a:t>8/5/24</a:t>
             </a:fld>
             <a:endParaRPr lang="en-US" dirty="0"/>
           </a:p>
@@ -3462,7 +3462,7 @@
           <a:p>
             <a:r>
               <a:rPr lang="en-US"/>
-              <a:t>© 2023, FLLTutorials.com (Last Edit 5/29/2023)</a:t>
+              <a:t>© 2023, FLLTutorials.com (Last Edit 8/06/2024)</a:t>
             </a:r>
             <a:endParaRPr lang="en-US" dirty="0"/>
           </a:p>
@@ -3835,9 +3835,9 @@
             </a:lvl1pPr>
           </a:lstStyle>
           <a:p>
-            <a:fld id="{EB975DD1-ADED-2E4B-9906-86AF17E961B8}" type="datetime1">
+            <a:fld id="{7EA32AFD-8121-5044-B0B8-B210D56C1757}" type="datetime1">
               <a:rPr lang="en-US" smtClean="0"/>
-              <a:t>5/29/23</a:t>
+              <a:t>8/5/24</a:t>
             </a:fld>
             <a:endParaRPr lang="en-US" dirty="0"/>
           </a:p>
@@ -3879,7 +3879,7 @@
           <a:p>
             <a:r>
               <a:rPr lang="en-US"/>
-              <a:t>© 2023, FLLTutorials.com (Last Edit 5/29/2023)</a:t>
+              <a:t>© 2023, FLLTutorials.com (Last Edit 8/06/2024)</a:t>
             </a:r>
             <a:endParaRPr lang="en-US" dirty="0"/>
           </a:p>
@@ -4152,9 +4152,9 @@
           <a:bodyPr/>
           <a:lstStyle/>
           <a:p>
-            <a:fld id="{27C70B6B-C630-3F46-BF27-6571CEFD3968}" type="datetime1">
+            <a:fld id="{F1ED185D-A9B2-D945-BA39-87D3F24FCD5F}" type="datetime1">
               <a:rPr lang="en-US" smtClean="0"/>
-              <a:t>5/29/23</a:t>
+              <a:t>8/5/24</a:t>
             </a:fld>
             <a:endParaRPr lang="en-US" dirty="0"/>
           </a:p>
@@ -4185,7 +4185,7 @@
           <a:p>
             <a:r>
               <a:rPr lang="en-US"/>
-              <a:t>© 2023, FLLTutorials.com (Last Edit 5/29/2023)</a:t>
+              <a:t>© 2023, FLLTutorials.com (Last Edit 8/06/2024)</a:t>
             </a:r>
             <a:endParaRPr lang="en-US" dirty="0"/>
           </a:p>
@@ -4503,9 +4503,9 @@
             </a:lvl1pPr>
           </a:lstStyle>
           <a:p>
-            <a:fld id="{2D833F26-985E-0341-BB16-C21E362F6D77}" type="datetime1">
+            <a:fld id="{A8681364-9712-2645-A674-39BB16C19B6E}" type="datetime1">
               <a:rPr lang="en-US" smtClean="0"/>
-              <a:t>5/29/23</a:t>
+              <a:t>8/5/24</a:t>
             </a:fld>
             <a:endParaRPr lang="en-US" dirty="0"/>
           </a:p>
@@ -4553,7 +4553,7 @@
           <a:p>
             <a:r>
               <a:rPr lang="en-US"/>
-              <a:t>© 2023, FLLTutorials.com (Last Edit 5/29/2023)</a:t>
+              <a:t>© 2023, FLLTutorials.com (Last Edit 8/06/2024)</a:t>
             </a:r>
             <a:endParaRPr lang="en-US" dirty="0"/>
           </a:p>
@@ -5193,7 +5193,7 @@
           <a:p>
             <a:r>
               <a:rPr lang="en-US"/>
-              <a:t>© 2023, FLLTutorials.com (Last Edit 5/29/2023)</a:t>
+              <a:t>© 2023, FLLTutorials.com (Last Edit 8/06/2024)</a:t>
             </a:r>
             <a:endParaRPr lang="en-US" dirty="0"/>
           </a:p>
@@ -5472,7 +5472,7 @@
           <a:p>
             <a:r>
               <a:rPr lang="en-US"/>
-              <a:t>© 2023, FLLTutorials.com (Last Edit 5/29/2023)</a:t>
+              <a:t>© 2023, FLLTutorials.com (Last Edit 8/06/2024)</a:t>
             </a:r>
             <a:endParaRPr lang="en-US" dirty="0"/>
           </a:p>
@@ -5594,13 +5594,13 @@
         <p:spPr/>
         <p:txBody>
           <a:bodyPr>
-            <a:normAutofit fontScale="92500"/>
+            <a:normAutofit fontScale="92500" lnSpcReduction="20000"/>
           </a:bodyPr>
           <a:lstStyle/>
           <a:p>
             <a:r>
               <a:rPr lang="en-US" dirty="0"/>
-              <a:t>The Challenge document is released on August 1st. </a:t>
+              <a:t>The Challenge document is released on early in August.</a:t>
             </a:r>
           </a:p>
           <a:p>
@@ -5613,6 +5613,12 @@
             <a:r>
               <a:rPr lang="en-US" dirty="0"/>
               <a:t>For example, in Nature’s Fury, you had to pick from a specific list of natural disasters.</a:t>
+            </a:r>
+          </a:p>
+          <a:p>
+            <a:r>
+              <a:rPr lang="en-US" dirty="0"/>
+              <a:t>In SUBMERGED, the problem has to be related to exploring oceans.</a:t>
             </a:r>
           </a:p>
         </p:txBody>
@@ -5640,7 +5646,7 @@
           <a:p>
             <a:r>
               <a:rPr lang="en-US"/>
-              <a:t>© 2023, FLLTutorials.com (Last Edit 5/29/2023)</a:t>
+              <a:t>© 2023, FLLTutorials.com (Last Edit 8/06/2024)</a:t>
             </a:r>
             <a:endParaRPr lang="en-US" dirty="0"/>
           </a:p>
@@ -5858,7 +5864,7 @@
           <a:p>
             <a:r>
               <a:rPr lang="en-US"/>
-              <a:t>© 2023, FLLTutorials.com (Last Edit 5/29/2023)</a:t>
+              <a:t>© 2023, FLLTutorials.com (Last Edit 8/06/2024)</a:t>
             </a:r>
             <a:endParaRPr lang="en-US" dirty="0"/>
           </a:p>
@@ -6092,7 +6098,7 @@
           <a:p>
             <a:r>
               <a:rPr lang="en-US"/>
-              <a:t>© 2023, FLLTutorials.com (Last Edit 5/29/2023)</a:t>
+              <a:t>© 2023, FLLTutorials.com (Last Edit 8/06/2024)</a:t>
             </a:r>
             <a:endParaRPr lang="en-US" dirty="0"/>
           </a:p>
@@ -6309,7 +6315,7 @@
           <a:p>
             <a:r>
               <a:rPr lang="en-US"/>
-              <a:t>© 2023, FLLTutorials.com (Last Edit 5/29/2023)</a:t>
+              <a:t>© 2023, FLLTutorials.com (Last Edit 8/06/2024)</a:t>
             </a:r>
             <a:endParaRPr lang="en-US" dirty="0"/>
           </a:p>
@@ -6466,7 +6472,7 @@
           <a:p>
             <a:r>
               <a:rPr lang="en-US"/>
-              <a:t>© 2023, FLLTutorials.com (Last Edit 5/29/2023)</a:t>
+              <a:t>© 2023, FLLTutorials.com (Last Edit 8/06/2024)</a:t>
             </a:r>
             <a:endParaRPr lang="en-US" dirty="0"/>
           </a:p>
